--- a/lez 14/lez 14.pptx
+++ b/lez 14/lez 14.pptx
@@ -8823,32 +8823,6 @@
               </a:rPr>
               <a:t>}</a:t>
             </a:r>
-          </a:p>
-        </p:txBody>
-      </p:sp>
-      <p:sp>
-        <p:nvSpPr>
-          <p:cNvPr id="6" name="TextBox 5"/>
-          <p:cNvSpPr txBox="1"/>
-          <p:nvPr/>
-        </p:nvSpPr>
-        <p:spPr>
-          <a:xfrm>
-            <a:off x="254000" y="5100320"/>
-            <a:ext cx="184731" cy="369332"/>
-          </a:xfrm>
-          <a:prstGeom prst="rect">
-            <a:avLst/>
-          </a:prstGeom>
-          <a:noFill/>
-        </p:spPr>
-        <p:txBody>
-          <a:bodyPr wrap="none" rtlCol="0">
-            <a:spAutoFit/>
-          </a:bodyPr>
-          <a:lstStyle/>
-          <a:p>
-            <a:endParaRPr lang="en-US"/>
           </a:p>
         </p:txBody>
       </p:sp>
